--- a/vizsga/Dokumentáció.pptx
+++ b/vizsga/Dokumentáció.pptx
@@ -126,15 +126,6 @@
     </p:ext>
   </p:extLst>
 </p:presentation>
-</file>
-
-<file path=ppt/revisionInfo.xml><?xml version="1.0" encoding="utf-8"?>
-<p1510:revInfo xmlns:a="http://schemas.openxmlformats.org/drawingml/2006/main" xmlns:r="http://schemas.openxmlformats.org/officeDocument/2006/relationships" xmlns:p1510="http://schemas.microsoft.com/office/powerpoint/2015/10/main">
-  <p1510:revLst>
-    <p1510:client id="{B35499C0-710F-BC45-91B1-8ADDE142C770}" v="1348" dt="2025-02-02T23:50:18.764"/>
-    <p1510:client id="{E5263035-B805-4C8A-857C-8E9476044DCD}" v="439" dt="2025-02-03T01:01:57.355"/>
-  </p1510:revLst>
-</p1510:revInfo>
 </file>
 
 <file path=ppt/diagrams/colors1.xml><?xml version="1.0" encoding="utf-8"?>
@@ -22822,12 +22813,20 @@
               <a:buNone/>
             </a:pPr>
             <a:r>
+              <a:rPr lang="hu-HU">
+                <a:latin typeface="Calibri"/>
+                <a:ea typeface="Calibri"/>
+                <a:cs typeface="Calibri"/>
+              </a:rPr>
+              <a:t>                                         </a:t>
+            </a:r>
+            <a:r>
               <a:rPr lang="hu-HU" dirty="0">
                 <a:latin typeface="Calibri"/>
                 <a:ea typeface="Calibri"/>
                 <a:cs typeface="Calibri"/>
               </a:rPr>
-              <a:t>                                - Képek, információk gyűjtése  </a:t>
+              <a:t>- Képek, információk gyűjtése  </a:t>
             </a:r>
           </a:p>
           <a:p>
